--- a/ppt/SIH2025-IDEA-Presentation-Format[1][2].pptx
+++ b/ppt/SIH2025-IDEA-Presentation-Format[1][2].pptx
@@ -7287,7 +7287,7 @@
         <p:spPr bwMode="auto">
           <a:xfrm>
             <a:off x="1063092" y="1168592"/>
-            <a:ext cx="9385300" cy="5632311"/>
+            <a:ext cx="7257948" cy="4708981"/>
           </a:xfrm>
           <a:prstGeom prst="rect">
             <a:avLst/>
@@ -7310,7 +7310,7 @@
               <a:defRPr/>
             </a:pPr>
             <a:r>
-              <a:rPr kumimoji="0" lang="en-US" sz="2400" b="1" i="0" u="none" strike="noStrike" kern="1200" cap="none" spc="0" normalizeH="0" baseline="0" noProof="0" dirty="0">
+              <a:rPr kumimoji="0" lang="en-US" sz="2000" b="1" i="0" u="none" strike="noStrike" kern="1200" cap="none" spc="0" normalizeH="0" baseline="0" noProof="0" dirty="0">
                 <a:ln>
                   <a:noFill/>
                 </a:ln>
@@ -7326,7 +7326,7 @@
               <a:t>Potential impact on the target audience</a:t>
             </a:r>
             <a:r>
-              <a:rPr lang="en-US" sz="2400" b="1" dirty="0">
+              <a:rPr lang="en-US" sz="2000" b="1" dirty="0">
                 <a:solidFill>
                   <a:prstClr val="black"/>
                 </a:solidFill>
@@ -7343,7 +7343,7 @@
               <a:defRPr/>
             </a:pPr>
             <a:r>
-              <a:rPr lang="en-US" sz="2400" dirty="0">
+              <a:rPr lang="en-US" sz="2000" dirty="0">
                 <a:solidFill>
                   <a:prstClr val="black"/>
                 </a:solidFill>
@@ -7360,7 +7360,7 @@
               <a:defRPr/>
             </a:pPr>
             <a:r>
-              <a:rPr lang="en-US" sz="2400" dirty="0">
+              <a:rPr lang="en-US" sz="2000" dirty="0">
                 <a:solidFill>
                   <a:prstClr val="black"/>
                 </a:solidFill>
@@ -7369,7 +7369,7 @@
               </a:rPr>
               <a:t>It equips them with essential future-ready skills, preparing them for the digital economy</a:t>
             </a:r>
-            <a:endParaRPr kumimoji="0" lang="en-US" sz="2400" b="0" i="0" u="none" strike="noStrike" kern="1200" cap="none" spc="0" normalizeH="0" baseline="0" noProof="0" dirty="0">
+            <a:endParaRPr kumimoji="0" lang="en-US" sz="2000" b="0" i="0" u="none" strike="noStrike" kern="1200" cap="none" spc="0" normalizeH="0" baseline="0" noProof="0" dirty="0">
               <a:ln>
                 <a:noFill/>
               </a:ln>
@@ -7388,7 +7388,7 @@
               <a:defRPr/>
             </a:pPr>
             <a:r>
-              <a:rPr lang="en-US" sz="2400" b="1" dirty="0">
+              <a:rPr lang="en-US" sz="2000" b="1" dirty="0">
                 <a:solidFill>
                   <a:prstClr val="black"/>
                 </a:solidFill>
@@ -7405,7 +7405,7 @@
               <a:defRPr/>
             </a:pPr>
             <a:r>
-              <a:rPr lang="en-US" sz="2400" b="1" dirty="0">
+              <a:rPr lang="en-US" sz="2000" b="1" dirty="0">
                 <a:solidFill>
                   <a:prstClr val="black"/>
                 </a:solidFill>
@@ -7415,7 +7415,7 @@
               <a:t>Social - </a:t>
             </a:r>
             <a:r>
-              <a:rPr lang="en-US" sz="2400" dirty="0">
+              <a:rPr lang="en-US" sz="2000" dirty="0">
                 <a:solidFill>
                   <a:prstClr val="black"/>
                 </a:solidFill>
@@ -7432,7 +7432,7 @@
               <a:defRPr/>
             </a:pPr>
             <a:r>
-              <a:rPr lang="en-US" sz="2400" b="1" dirty="0">
+              <a:rPr lang="en-US" sz="2000" b="1" dirty="0">
                 <a:solidFill>
                   <a:prstClr val="black"/>
                 </a:solidFill>
@@ -7442,7 +7442,7 @@
               <a:t>Economic - </a:t>
             </a:r>
             <a:r>
-              <a:rPr lang="en-US" sz="2400" dirty="0">
+              <a:rPr lang="en-US" sz="2000" dirty="0">
                 <a:solidFill>
                   <a:prstClr val="black"/>
                 </a:solidFill>
@@ -7459,7 +7459,7 @@
               <a:defRPr/>
             </a:pPr>
             <a:r>
-              <a:rPr lang="en-US" sz="2400" b="1" dirty="0">
+              <a:rPr lang="en-US" sz="2000" b="1" dirty="0">
                 <a:solidFill>
                   <a:prstClr val="black"/>
                 </a:solidFill>
@@ -7469,14 +7469,14 @@
               <a:t>Environmental - </a:t>
             </a:r>
             <a:r>
-              <a:rPr lang="en-US" sz="2400" dirty="0">
+              <a:rPr lang="en-US" sz="2000" dirty="0">
                 <a:solidFill>
                   <a:prstClr val="black"/>
                 </a:solidFill>
                 <a:latin typeface="Times New Roman" panose="02020603050405020304" pitchFamily="18" charset="0"/>
                 <a:cs typeface="Times New Roman" panose="02020603050405020304" pitchFamily="18" charset="0"/>
               </a:rPr>
-              <a:t>Empowers educators with smart tools and real-time analytics on student progress, attendance, and engagement, enabling data-driven instruction.</a:t>
+              <a:t>Empowers educators with smart tools and real-time analytics on student progress, attendance, and engagement, enabling data-driven instruction. It also includes automated grading to reduce manual effort for teachers</a:t>
             </a:r>
           </a:p>
           <a:p>
@@ -7484,22 +7484,7 @@
               <a:defRPr/>
             </a:pPr>
             <a:r>
-              <a:rPr lang="en-US" sz="2400" dirty="0">
-                <a:solidFill>
-                  <a:prstClr val="black"/>
-                </a:solidFill>
-                <a:latin typeface="Times New Roman" panose="02020603050405020304" pitchFamily="18" charset="0"/>
-                <a:cs typeface="Times New Roman" panose="02020603050405020304" pitchFamily="18" charset="0"/>
-              </a:rPr>
-              <a:t>    It also includes automated grading to reduce manual effort for teachers</a:t>
-            </a:r>
-          </a:p>
-          <a:p>
-            <a:pPr lvl="0" algn="just">
-              <a:defRPr/>
-            </a:pPr>
-            <a:r>
-              <a:rPr lang="en-US" sz="2400" dirty="0">
+              <a:rPr lang="en-US" sz="2000" dirty="0">
                 <a:solidFill>
                   <a:prstClr val="black"/>
                 </a:solidFill>
@@ -7515,7 +7500,7 @@
               <a:buChar char="•"/>
               <a:defRPr/>
             </a:pPr>
-            <a:endParaRPr lang="en-US" sz="2400" dirty="0">
+            <a:endParaRPr lang="en-US" sz="2000" dirty="0">
               <a:solidFill>
                 <a:prstClr val="black"/>
               </a:solidFill>
@@ -7773,6 +7758,36 @@
           </a:extLst>
         </p:spPr>
       </p:pic>
+      <p:pic>
+        <p:nvPicPr>
+          <p:cNvPr id="3" name="Picture 2">
+            <a:extLst>
+              <a:ext uri="{FF2B5EF4-FFF2-40B4-BE49-F238E27FC236}">
+                <a16:creationId xmlns:a16="http://schemas.microsoft.com/office/drawing/2014/main" id="{853F5918-7185-31F6-849C-0B9AEEF34793}"/>
+              </a:ext>
+            </a:extLst>
+          </p:cNvPr>
+          <p:cNvPicPr>
+            <a:picLocks noChangeAspect="1"/>
+          </p:cNvPicPr>
+          <p:nvPr/>
+        </p:nvPicPr>
+        <p:blipFill>
+          <a:blip r:embed="rId4"/>
+          <a:stretch>
+            <a:fillRect/>
+          </a:stretch>
+        </p:blipFill>
+        <p:spPr>
+          <a:xfrm>
+            <a:off x="8452550" y="2010670"/>
+            <a:ext cx="3714440" cy="3110313"/>
+          </a:xfrm>
+          <a:prstGeom prst="rect">
+            <a:avLst/>
+          </a:prstGeom>
+        </p:spPr>
+      </p:pic>
     </p:spTree>
     <p:extLst>
       <p:ext uri="{BB962C8B-B14F-4D97-AF65-F5344CB8AC3E}">
@@ -7919,7 +7934,7 @@
         <p:spPr bwMode="auto">
           <a:xfrm>
             <a:off x="774700" y="1948421"/>
-            <a:ext cx="9385300" cy="2677656"/>
+            <a:ext cx="9385300" cy="3293209"/>
           </a:xfrm>
           <a:prstGeom prst="rect">
             <a:avLst/>
@@ -7954,7 +7969,7 @@
               <a:defRPr/>
             </a:pPr>
             <a:r>
-              <a:rPr lang="en-US" sz="2400" b="1" noProof="0" dirty="0">
+              <a:rPr lang="en-US" sz="2000" b="1" noProof="0" dirty="0">
                 <a:solidFill>
                   <a:prstClr val="black"/>
                 </a:solidFill>
@@ -7964,7 +7979,7 @@
               <a:t>Details / Links of the reference and research work</a:t>
             </a:r>
             <a:r>
-              <a:rPr lang="en-US" sz="2400" b="1" dirty="0">
+              <a:rPr lang="en-US" sz="2000" b="1" dirty="0">
                 <a:solidFill>
                   <a:prstClr val="black"/>
                 </a:solidFill>
@@ -7981,7 +7996,7 @@
               <a:defRPr/>
             </a:pPr>
             <a:r>
-              <a:rPr lang="en-US" sz="2400" dirty="0">
+              <a:rPr lang="en-US" sz="2000" dirty="0">
                 <a:solidFill>
                   <a:prstClr val="black"/>
                 </a:solidFill>
@@ -7998,15 +8013,116 @@
               <a:defRPr/>
             </a:pPr>
             <a:r>
-              <a:rPr lang="en-US" sz="2400" dirty="0">
+              <a:rPr lang="en-US" sz="2000" dirty="0">
                 <a:solidFill>
                   <a:prstClr val="black"/>
                 </a:solidFill>
                 <a:latin typeface="Times New Roman" panose="02020603050405020304" pitchFamily="18" charset="0"/>
                 <a:cs typeface="Times New Roman" panose="02020603050405020304" pitchFamily="18" charset="0"/>
               </a:rPr>
-              <a:t>The solution is based on the need to bridge the divide between rural and urban students</a:t>
-            </a:r>
+              <a:t>The solution is based on the need to bridge the divide between rural and urban students.</a:t>
+            </a:r>
+          </a:p>
+          <a:p>
+            <a:pPr marL="457200" lvl="0" indent="-457200" algn="just">
+              <a:buFont typeface="Arial" panose="020B0604020202020204" pitchFamily="34" charset="0"/>
+              <a:buChar char="•"/>
+              <a:defRPr/>
+            </a:pPr>
+            <a:r>
+              <a:rPr lang="en-US" sz="2000" dirty="0">
+                <a:solidFill>
+                  <a:prstClr val="black"/>
+                </a:solidFill>
+                <a:latin typeface="Times New Roman" panose="02020603050405020304" pitchFamily="18" charset="0"/>
+                <a:cs typeface="Times New Roman" panose="02020603050405020304" pitchFamily="18" charset="0"/>
+              </a:rPr>
+              <a:t>Research Work: </a:t>
+            </a:r>
+          </a:p>
+          <a:p>
+            <a:pPr marL="914400" lvl="1" indent="-457200" algn="just">
+              <a:buFont typeface="Arial" panose="020B0604020202020204" pitchFamily="34" charset="0"/>
+              <a:buChar char="•"/>
+              <a:defRPr/>
+            </a:pPr>
+            <a:r>
+              <a:rPr lang="en-US" sz="2000" b="1" dirty="0"/>
+              <a:t>Hindustan Times: </a:t>
+            </a:r>
+            <a:r>
+              <a:rPr lang="en-US" sz="2000" b="1" dirty="0">
+                <a:hlinkClick r:id="rId3"/>
+              </a:rPr>
+              <a:t>School enrolments in Punjab’s govt schools drop by 1.5 lakh </a:t>
+            </a:r>
+            <a:endParaRPr lang="en-US" sz="2000" b="1" dirty="0"/>
+          </a:p>
+          <a:p>
+            <a:pPr marL="914400" lvl="1" indent="-457200" algn="just">
+              <a:buFont typeface="Arial" panose="020B0604020202020204" pitchFamily="34" charset="0"/>
+              <a:buChar char="•"/>
+              <a:defRPr/>
+            </a:pPr>
+            <a:r>
+              <a:rPr lang="en-US" sz="2000" b="1" dirty="0"/>
+              <a:t>Data.gov.in: </a:t>
+            </a:r>
+            <a:r>
+              <a:rPr lang="en-US" sz="2000" b="1" dirty="0">
+                <a:hlinkClick r:id="rId4"/>
+              </a:rPr>
+              <a:t>District-wise Dropout Ratio in Schools of Punjab</a:t>
+            </a:r>
+            <a:endParaRPr lang="en-US" sz="2000" b="1" dirty="0"/>
+          </a:p>
+          <a:p>
+            <a:pPr marL="914400" lvl="1" indent="-457200" algn="just">
+              <a:buFont typeface="Arial" panose="020B0604020202020204" pitchFamily="34" charset="0"/>
+              <a:buChar char="•"/>
+              <a:defRPr/>
+            </a:pPr>
+            <a:r>
+              <a:rPr lang="en-US" sz="2000" b="1" dirty="0">
+                <a:solidFill>
+                  <a:prstClr val="black"/>
+                </a:solidFill>
+                <a:latin typeface="Times New Roman" panose="02020603050405020304" pitchFamily="18" charset="0"/>
+                <a:cs typeface="Times New Roman" panose="02020603050405020304" pitchFamily="18" charset="0"/>
+              </a:rPr>
+              <a:t>Website Link: </a:t>
+            </a:r>
+            <a:r>
+              <a:rPr lang="en-US" sz="2400" dirty="0" err="1">
+                <a:hlinkClick r:id="rId5"/>
+              </a:rPr>
+              <a:t>शिक्षा</a:t>
+            </a:r>
+            <a:r>
+              <a:rPr lang="en-US" sz="2400" dirty="0">
+                <a:hlinkClick r:id="rId5"/>
+              </a:rPr>
+              <a:t> </a:t>
+            </a:r>
+            <a:r>
+              <a:rPr lang="en-US" sz="2400" dirty="0" err="1">
+                <a:hlinkClick r:id="rId5"/>
+              </a:rPr>
+              <a:t>सेतु</a:t>
+            </a:r>
+            <a:r>
+              <a:rPr lang="en-US" sz="2400" dirty="0">
+                <a:hlinkClick r:id="rId5"/>
+              </a:rPr>
+              <a:t> - Digital Learning Platform for Rural India</a:t>
+            </a:r>
+            <a:endParaRPr lang="en-US" sz="2400" dirty="0">
+              <a:solidFill>
+                <a:prstClr val="black"/>
+              </a:solidFill>
+              <a:latin typeface="Times New Roman" panose="02020603050405020304" pitchFamily="18" charset="0"/>
+              <a:cs typeface="Times New Roman" panose="02020603050405020304" pitchFamily="18" charset="0"/>
+            </a:endParaRPr>
           </a:p>
           <a:p>
             <a:pPr marL="457200" lvl="0" indent="-457200" algn="just">
@@ -8246,7 +8362,7 @@
           <p:nvPr/>
         </p:nvPicPr>
         <p:blipFill>
-          <a:blip r:embed="rId3">
+          <a:blip r:embed="rId6">
             <a:extLst>
               <a:ext uri="{28A0092B-C50C-407E-A947-70E740481C1C}">
                 <a14:useLocalDpi xmlns:a14="http://schemas.microsoft.com/office/drawing/2010/main" val="0"/>

--- a/ppt/SIH2025-IDEA-Presentation-Format[1][2].pptx
+++ b/ppt/SIH2025-IDEA-Presentation-Format[1][2].pptx
@@ -6089,8 +6089,8 @@
         </p:nvSpPr>
         <p:spPr>
           <a:xfrm>
-            <a:off x="1131918" y="2488728"/>
-            <a:ext cx="10264877" cy="2677656"/>
+            <a:off x="476310" y="1777739"/>
+            <a:ext cx="10264877" cy="1169551"/>
           </a:xfrm>
           <a:prstGeom prst="rect">
             <a:avLst/>
@@ -6104,7 +6104,7 @@
           <a:lstStyle/>
           <a:p>
             <a:r>
-              <a:rPr lang="en-US" sz="2400" b="1" dirty="0">
+              <a:rPr lang="en-US" sz="1400" b="1" dirty="0">
                 <a:latin typeface="Times New Roman" panose="02020603050405020304" pitchFamily="18" charset="0"/>
                 <a:cs typeface="Times New Roman" panose="02020603050405020304" pitchFamily="18" charset="0"/>
               </a:rPr>
@@ -6112,50 +6112,184 @@
             </a:r>
           </a:p>
           <a:p>
-            <a:pPr marL="285750" indent="-285750">
+            <a:pPr marL="285750" indent="-285750" algn="just">
               <a:buFont typeface="Arial" panose="020B0604020202020204" pitchFamily="34" charset="0"/>
               <a:buChar char="•"/>
             </a:pPr>
             <a:r>
-              <a:rPr lang="en-US" sz="2400" dirty="0">
-                <a:latin typeface="Times New Roman" panose="02020603050405020304" pitchFamily="18" charset="0"/>
-                <a:cs typeface="Times New Roman" panose="02020603050405020304" pitchFamily="18" charset="0"/>
-              </a:rPr>
-              <a:t>A user-centric mobile and web-based platform designed to overcome connectivity challenges and provide accessible, quality education to rural learners. </a:t>
-            </a:r>
-          </a:p>
-          <a:p>
-            <a:pPr marL="285750" indent="-285750">
+              <a:rPr lang="en-IN" sz="1400" dirty="0"/>
+              <a:t>Bridging the Rural Education </a:t>
+            </a:r>
+            <a:r>
+              <a:rPr lang="en-IN" sz="1400" dirty="0" err="1"/>
+              <a:t>GapChallenges</a:t>
+            </a:r>
+            <a:r>
+              <a:rPr lang="en-IN" sz="1400" dirty="0"/>
+              <a:t>: </a:t>
+            </a:r>
+          </a:p>
+          <a:p>
+            <a:pPr marL="742950" lvl="1" indent="-285750" algn="just">
               <a:buFont typeface="Arial" panose="020B0604020202020204" pitchFamily="34" charset="0"/>
               <a:buChar char="•"/>
             </a:pPr>
             <a:r>
-              <a:rPr lang="en-US" sz="2400" dirty="0">
-                <a:latin typeface="Times New Roman" panose="02020603050405020304" pitchFamily="18" charset="0"/>
-                <a:cs typeface="Times New Roman" panose="02020603050405020304" pitchFamily="18" charset="0"/>
-              </a:rPr>
-              <a:t>The platform is optimized for low connectivity with an offline-first design. </a:t>
-            </a:r>
-          </a:p>
-          <a:p>
-            <a:pPr marL="285750" indent="-285750">
+              <a:rPr lang="en-IN" sz="1400" dirty="0"/>
+              <a:t>Poor Infrastructure: Limited internet &amp; computers in Nabha schools.</a:t>
+            </a:r>
+          </a:p>
+          <a:p>
+            <a:pPr marL="742950" lvl="1" indent="-285750" algn="just">
               <a:buFont typeface="Arial" panose="020B0604020202020204" pitchFamily="34" charset="0"/>
               <a:buChar char="•"/>
             </a:pPr>
             <a:r>
-              <a:rPr lang="en-US" sz="2400" dirty="0">
-                <a:latin typeface="Times New Roman" panose="02020603050405020304" pitchFamily="18" charset="0"/>
-                <a:cs typeface="Times New Roman" panose="02020603050405020304" pitchFamily="18" charset="0"/>
-              </a:rPr>
-              <a:t>It also includes integrated AI-powered features for intelligent tutoring, personalized feedback, and real-time support.</a:t>
-            </a:r>
-            <a:endParaRPr lang="en-IN" sz="2400" dirty="0">
-              <a:latin typeface="Times New Roman" panose="02020603050405020304" pitchFamily="18" charset="0"/>
-              <a:cs typeface="Times New Roman" panose="02020603050405020304" pitchFamily="18" charset="0"/>
-            </a:endParaRPr>
-          </a:p>
-        </p:txBody>
-      </p:sp>
+              <a:rPr lang="en-IN" sz="1400" dirty="0"/>
+              <a:t>Digital Disparity: Low digital literacy, restricted access to quality content.</a:t>
+            </a:r>
+          </a:p>
+          <a:p>
+            <a:pPr marL="742950" lvl="1" indent="-285750" algn="just">
+              <a:buFont typeface="Arial" panose="020B0604020202020204" pitchFamily="34" charset="0"/>
+              <a:buChar char="•"/>
+            </a:pPr>
+            <a:r>
+              <a:rPr lang="en-IN" sz="1400" dirty="0"/>
+              <a:t>Widening Divide: Rural students lag behind urban peers.</a:t>
+            </a:r>
+          </a:p>
+        </p:txBody>
+      </p:sp>
+      <p:sp>
+        <p:nvSpPr>
+          <p:cNvPr id="4" name="TextBox 3">
+            <a:extLst>
+              <a:ext uri="{FF2B5EF4-FFF2-40B4-BE49-F238E27FC236}">
+                <a16:creationId xmlns:a16="http://schemas.microsoft.com/office/drawing/2014/main" id="{79D278C4-9D0A-9B94-4F7D-276FBCCCEACA}"/>
+              </a:ext>
+            </a:extLst>
+          </p:cNvPr>
+          <p:cNvSpPr txBox="1"/>
+          <p:nvPr/>
+        </p:nvSpPr>
+        <p:spPr>
+          <a:xfrm>
+            <a:off x="0" y="3022245"/>
+            <a:ext cx="10185939" cy="954107"/>
+          </a:xfrm>
+          <a:prstGeom prst="rect">
+            <a:avLst/>
+          </a:prstGeom>
+          <a:noFill/>
+        </p:spPr>
+        <p:txBody>
+          <a:bodyPr wrap="square">
+            <a:spAutoFit/>
+          </a:bodyPr>
+          <a:lstStyle/>
+          <a:p>
+            <a:pPr marL="742950" lvl="1" indent="-285750" algn="just">
+              <a:buFont typeface="Arial" panose="020B0604020202020204" pitchFamily="34" charset="0"/>
+              <a:buChar char="•"/>
+            </a:pPr>
+            <a:r>
+              <a:rPr lang="en-IN" sz="1400" dirty="0"/>
+              <a:t>Our Solution:</a:t>
+            </a:r>
+          </a:p>
+          <a:p>
+            <a:pPr marL="1200150" lvl="2" indent="-285750" algn="just">
+              <a:buFont typeface="Arial" panose="020B0604020202020204" pitchFamily="34" charset="0"/>
+              <a:buChar char="•"/>
+            </a:pPr>
+            <a:r>
+              <a:rPr lang="en-IN" sz="1400" dirty="0"/>
+              <a:t>Resilient Digital Platform – Mobile + web-based, works on low-end devices.</a:t>
+            </a:r>
+          </a:p>
+          <a:p>
+            <a:pPr marL="1200150" lvl="2" indent="-285750" algn="just">
+              <a:buFont typeface="Arial" panose="020B0604020202020204" pitchFamily="34" charset="0"/>
+              <a:buChar char="•"/>
+            </a:pPr>
+            <a:r>
+              <a:rPr lang="en-IN" sz="1400" dirty="0"/>
+              <a:t>Offline-First Design – Seamless learning with limited connectivity.</a:t>
+            </a:r>
+          </a:p>
+          <a:p>
+            <a:pPr marL="1200150" lvl="2" indent="-285750" algn="just">
+              <a:buFont typeface="Arial" panose="020B0604020202020204" pitchFamily="34" charset="0"/>
+              <a:buChar char="•"/>
+            </a:pPr>
+            <a:r>
+              <a:rPr lang="en-IN" sz="1400" dirty="0"/>
+              <a:t>AI Tutoring – Personalized support &amp; feedback for every student.</a:t>
+            </a:r>
+          </a:p>
+        </p:txBody>
+      </p:sp>
+      <p:pic>
+        <p:nvPicPr>
+          <p:cNvPr id="8" name="Picture 7">
+            <a:extLst>
+              <a:ext uri="{FF2B5EF4-FFF2-40B4-BE49-F238E27FC236}">
+                <a16:creationId xmlns:a16="http://schemas.microsoft.com/office/drawing/2014/main" id="{18EDAFB7-EC0A-C071-ABDE-C2B4DA9AAD32}"/>
+              </a:ext>
+            </a:extLst>
+          </p:cNvPr>
+          <p:cNvPicPr>
+            <a:picLocks noChangeAspect="1"/>
+          </p:cNvPicPr>
+          <p:nvPr/>
+        </p:nvPicPr>
+        <p:blipFill>
+          <a:blip r:embed="rId4"/>
+          <a:stretch>
+            <a:fillRect/>
+          </a:stretch>
+        </p:blipFill>
+        <p:spPr>
+          <a:xfrm>
+            <a:off x="2847656" y="4051307"/>
+            <a:ext cx="4484798" cy="2149496"/>
+          </a:xfrm>
+          <a:prstGeom prst="rect">
+            <a:avLst/>
+          </a:prstGeom>
+        </p:spPr>
+      </p:pic>
+      <p:pic>
+        <p:nvPicPr>
+          <p:cNvPr id="13" name="Picture 12">
+            <a:extLst>
+              <a:ext uri="{FF2B5EF4-FFF2-40B4-BE49-F238E27FC236}">
+                <a16:creationId xmlns:a16="http://schemas.microsoft.com/office/drawing/2014/main" id="{19DD9CAF-28C2-F714-0CC6-B222B64EC5F2}"/>
+              </a:ext>
+            </a:extLst>
+          </p:cNvPr>
+          <p:cNvPicPr>
+            <a:picLocks noChangeAspect="1"/>
+          </p:cNvPicPr>
+          <p:nvPr/>
+        </p:nvPicPr>
+        <p:blipFill>
+          <a:blip r:embed="rId5"/>
+          <a:stretch>
+            <a:fillRect/>
+          </a:stretch>
+        </p:blipFill>
+        <p:spPr>
+          <a:xfrm>
+            <a:off x="9373281" y="1318063"/>
+            <a:ext cx="2209119" cy="4221873"/>
+          </a:xfrm>
+          <a:prstGeom prst="rect">
+            <a:avLst/>
+          </a:prstGeom>
+        </p:spPr>
+      </p:pic>
     </p:spTree>
   </p:cSld>
   <p:clrMapOvr>
@@ -6283,8 +6417,8 @@
         </p:nvSpPr>
         <p:spPr bwMode="auto">
           <a:xfrm>
-            <a:off x="609599" y="1320540"/>
-            <a:ext cx="10972799" cy="4893647"/>
+            <a:off x="763801" y="1179965"/>
+            <a:ext cx="6767059" cy="2893100"/>
           </a:xfrm>
           <a:prstGeom prst="rect">
             <a:avLst/>
@@ -6305,7 +6439,7 @@
           <a:p>
             <a:pPr algn="just"/>
             <a:r>
-              <a:rPr lang="en-US" sz="2400" b="1" dirty="0">
+              <a:rPr lang="en-US" sz="1400" b="1" dirty="0">
                 <a:latin typeface="Times New Roman" panose="02020603050405020304" pitchFamily="18" charset="0"/>
                 <a:cs typeface="Times New Roman" panose="02020603050405020304" pitchFamily="18" charset="0"/>
               </a:rPr>
@@ -6318,7 +6452,7 @@
               <a:buChar char="•"/>
             </a:pPr>
             <a:r>
-              <a:rPr lang="en-US" sz="2400" dirty="0">
+              <a:rPr lang="en-US" sz="1400" dirty="0">
                 <a:latin typeface="Times New Roman" panose="02020603050405020304" pitchFamily="18" charset="0"/>
                 <a:cs typeface="Times New Roman" panose="02020603050405020304" pitchFamily="18" charset="0"/>
               </a:rPr>
@@ -6331,7 +6465,7 @@
               <a:buChar char="•"/>
             </a:pPr>
             <a:r>
-              <a:rPr lang="en-US" sz="2400" dirty="0">
+              <a:rPr lang="en-US" sz="1400" dirty="0">
                 <a:latin typeface="Times New Roman" panose="02020603050405020304" pitchFamily="18" charset="0"/>
                 <a:cs typeface="Times New Roman" panose="02020603050405020304" pitchFamily="18" charset="0"/>
               </a:rPr>
@@ -6344,7 +6478,7 @@
               <a:buChar char="•"/>
             </a:pPr>
             <a:r>
-              <a:rPr lang="en-US" sz="2400" dirty="0">
+              <a:rPr lang="en-US" sz="1400" dirty="0">
                 <a:latin typeface="Times New Roman" panose="02020603050405020304" pitchFamily="18" charset="0"/>
                 <a:cs typeface="Times New Roman" panose="02020603050405020304" pitchFamily="18" charset="0"/>
               </a:rPr>
@@ -6357,7 +6491,7 @@
               <a:buChar char="•"/>
             </a:pPr>
             <a:r>
-              <a:rPr lang="en-US" sz="2400" dirty="0">
+              <a:rPr lang="en-US" sz="1400" dirty="0">
                 <a:latin typeface="Times New Roman" panose="02020603050405020304" pitchFamily="18" charset="0"/>
                 <a:cs typeface="Times New Roman" panose="02020603050405020304" pitchFamily="18" charset="0"/>
               </a:rPr>
@@ -6366,7 +6500,7 @@
           </a:p>
           <a:p>
             <a:pPr algn="just"/>
-            <a:endParaRPr lang="en-US" sz="2400" dirty="0">
+            <a:endParaRPr lang="en-US" sz="1400" dirty="0">
               <a:latin typeface="Times New Roman" panose="02020603050405020304" pitchFamily="18" charset="0"/>
               <a:cs typeface="Times New Roman" panose="02020603050405020304" pitchFamily="18" charset="0"/>
             </a:endParaRPr>
@@ -6374,14 +6508,14 @@
           <a:p>
             <a:pPr algn="just"/>
             <a:r>
-              <a:rPr lang="en-US" sz="2400" b="1" dirty="0">
+              <a:rPr lang="en-US" sz="1400" b="1" dirty="0">
                 <a:latin typeface="Times New Roman" panose="02020603050405020304" pitchFamily="18" charset="0"/>
                 <a:cs typeface="Times New Roman" panose="02020603050405020304" pitchFamily="18" charset="0"/>
               </a:rPr>
               <a:t>Methodology and process for implementation- </a:t>
             </a:r>
             <a:r>
-              <a:rPr lang="en-US" sz="2400" dirty="0">
+              <a:rPr lang="en-US" sz="1400" dirty="0">
                 <a:latin typeface="Times New Roman" panose="02020603050405020304" pitchFamily="18" charset="0"/>
                 <a:cs typeface="Times New Roman" panose="02020603050405020304" pitchFamily="18" charset="0"/>
               </a:rPr>
@@ -6394,7 +6528,7 @@
               <a:buChar char="•"/>
             </a:pPr>
             <a:r>
-              <a:rPr lang="en-US" sz="2400" dirty="0">
+              <a:rPr lang="en-US" sz="1400" dirty="0">
                 <a:latin typeface="Times New Roman" panose="02020603050405020304" pitchFamily="18" charset="0"/>
                 <a:cs typeface="Times New Roman" panose="02020603050405020304" pitchFamily="18" charset="0"/>
               </a:rPr>
@@ -6407,7 +6541,7 @@
               <a:buChar char="•"/>
             </a:pPr>
             <a:r>
-              <a:rPr lang="en-US" sz="2400" dirty="0">
+              <a:rPr lang="en-US" sz="1400" dirty="0">
                 <a:latin typeface="Times New Roman" panose="02020603050405020304" pitchFamily="18" charset="0"/>
                 <a:cs typeface="Times New Roman" panose="02020603050405020304" pitchFamily="18" charset="0"/>
               </a:rPr>
@@ -6733,8 +6867,8 @@
         </p:nvSpPr>
         <p:spPr bwMode="auto">
           <a:xfrm>
-            <a:off x="1171247" y="1135874"/>
-            <a:ext cx="9385300" cy="5262979"/>
+            <a:off x="1171247" y="1135875"/>
+            <a:ext cx="9283968" cy="2246769"/>
           </a:xfrm>
           <a:prstGeom prst="rect">
             <a:avLst/>
@@ -6759,7 +6893,7 @@
               <a:defRPr/>
             </a:pPr>
             <a:r>
-              <a:rPr lang="en-US" sz="2400" b="1" dirty="0">
+              <a:rPr lang="en-US" sz="1400" b="1" dirty="0">
                 <a:solidFill>
                   <a:prstClr val="black"/>
                 </a:solidFill>
@@ -6769,7 +6903,7 @@
               <a:t>Analysis of the feasibility of the idea - </a:t>
             </a:r>
             <a:r>
-              <a:rPr lang="en-US" sz="2400" dirty="0">
+              <a:rPr lang="en-US" sz="1400" dirty="0">
                 <a:solidFill>
                   <a:prstClr val="black"/>
                 </a:solidFill>
@@ -6778,7 +6912,7 @@
               </a:rPr>
               <a:t>The platform is universally accessible, functioning on low-end mobile devices common in rural areas. The offline-first architecture makes it viable in areas with limited internet access.</a:t>
             </a:r>
-            <a:endParaRPr kumimoji="0" lang="en-US" sz="2400" b="0" i="0" u="none" strike="noStrike" kern="1200" cap="none" spc="0" normalizeH="0" baseline="0" noProof="0" dirty="0">
+            <a:endParaRPr kumimoji="0" lang="en-US" sz="1400" b="0" i="0" u="none" strike="noStrike" kern="1200" cap="none" spc="0" normalizeH="0" baseline="0" noProof="0" dirty="0">
               <a:ln>
                 <a:noFill/>
               </a:ln>
@@ -6799,7 +6933,7 @@
               <a:defRPr/>
             </a:pPr>
             <a:r>
-              <a:rPr lang="en-US" sz="2400" b="1" dirty="0">
+              <a:rPr lang="en-US" sz="1400" b="1" dirty="0">
                 <a:solidFill>
                   <a:prstClr val="black"/>
                 </a:solidFill>
@@ -6809,7 +6943,7 @@
               <a:t>Potential challenges and risks - </a:t>
             </a:r>
             <a:r>
-              <a:rPr lang="en-US" sz="2400" dirty="0">
+              <a:rPr lang="en-US" sz="1400" dirty="0">
                 <a:solidFill>
                   <a:prstClr val="black"/>
                 </a:solidFill>
@@ -6820,13 +6954,13 @@
             </a:r>
           </a:p>
           <a:p>
-            <a:pPr marL="342900" lvl="0" indent="-342900" algn="just">
+            <a:pPr marL="285750" lvl="0" indent="-285750" algn="just">
               <a:buFont typeface="Arial" panose="020B0604020202020204" pitchFamily="34" charset="0"/>
               <a:buChar char="•"/>
               <a:defRPr/>
             </a:pPr>
             <a:r>
-              <a:rPr kumimoji="0" lang="en-US" sz="2400" b="1" i="0" u="none" strike="noStrike" kern="1200" cap="none" spc="0" normalizeH="0" baseline="0" noProof="0" dirty="0">
+              <a:rPr kumimoji="0" lang="en-US" sz="1400" b="1" i="0" u="none" strike="noStrike" kern="1200" cap="none" spc="0" normalizeH="0" baseline="0" noProof="0" dirty="0">
                 <a:ln>
                   <a:noFill/>
                 </a:ln>
@@ -6842,7 +6976,7 @@
               <a:t>Strategies</a:t>
             </a:r>
             <a:r>
-              <a:rPr kumimoji="0" lang="en-US" sz="2400" b="1" i="0" u="none" strike="noStrike" kern="1200" cap="none" spc="0" normalizeH="0" noProof="0" dirty="0">
+              <a:rPr kumimoji="0" lang="en-US" sz="1400" b="1" i="0" u="none" strike="noStrike" kern="1200" cap="none" spc="0" normalizeH="0" noProof="0" dirty="0">
                 <a:ln>
                   <a:noFill/>
                 </a:ln>
@@ -6858,26 +6992,67 @@
               <a:t> for overcoming these challenges</a:t>
             </a:r>
             <a:r>
-              <a:rPr lang="en-US" sz="2400" b="1" dirty="0">
+              <a:rPr lang="en-US" sz="1400" b="1" dirty="0">
                 <a:solidFill>
                   <a:prstClr val="black"/>
                 </a:solidFill>
                 <a:latin typeface="Times New Roman" panose="02020603050405020304" pitchFamily="18" charset="0"/>
                 <a:cs typeface="Times New Roman" panose="02020603050405020304" pitchFamily="18" charset="0"/>
               </a:rPr>
-              <a:t> - </a:t>
-            </a:r>
-            <a:r>
-              <a:rPr lang="en-US" sz="2400" dirty="0">
+              <a:t> – </a:t>
+            </a:r>
+          </a:p>
+          <a:p>
+            <a:pPr marL="742950" lvl="1" indent="-285750" algn="just">
+              <a:buFont typeface="Arial" panose="020B0604020202020204" pitchFamily="34" charset="0"/>
+              <a:buChar char="•"/>
+              <a:defRPr/>
+            </a:pPr>
+            <a:r>
+              <a:rPr lang="en-US" sz="1400" dirty="0">
                 <a:solidFill>
                   <a:prstClr val="black"/>
                 </a:solidFill>
                 <a:latin typeface="Times New Roman" panose="02020603050405020304" pitchFamily="18" charset="0"/>
                 <a:cs typeface="Times New Roman" panose="02020603050405020304" pitchFamily="18" charset="0"/>
               </a:rPr>
-              <a:t>The offline-first design addresses unreliable internet connectivity.AI-powered features and multi-language support aim to break down language barriers and provide personalized learning. The platform provides a comprehensive documentation hub and integrated online compilers to develop digital literacy skills.</a:t>
-            </a:r>
-            <a:endParaRPr kumimoji="0" lang="en-US" sz="2400" b="0" i="0" u="none" strike="noStrike" kern="1200" cap="none" spc="0" normalizeH="0" baseline="0" noProof="0" dirty="0">
+              <a:t>The offline-first design addresses unreliable internet connectivity. </a:t>
+            </a:r>
+          </a:p>
+          <a:p>
+            <a:pPr marL="742950" lvl="1" indent="-285750" algn="just">
+              <a:buFont typeface="Arial" panose="020B0604020202020204" pitchFamily="34" charset="0"/>
+              <a:buChar char="•"/>
+              <a:defRPr/>
+            </a:pPr>
+            <a:r>
+              <a:rPr lang="en-US" sz="1400" dirty="0">
+                <a:solidFill>
+                  <a:prstClr val="black"/>
+                </a:solidFill>
+                <a:latin typeface="Times New Roman" panose="02020603050405020304" pitchFamily="18" charset="0"/>
+                <a:cs typeface="Times New Roman" panose="02020603050405020304" pitchFamily="18" charset="0"/>
+              </a:rPr>
+              <a:t>AI-powered features and multi-language support aim to break down language barriers and provide personalized learning. </a:t>
+            </a:r>
+          </a:p>
+          <a:p>
+            <a:pPr marL="742950" lvl="1" indent="-285750" algn="just">
+              <a:buFont typeface="Arial" panose="020B0604020202020204" pitchFamily="34" charset="0"/>
+              <a:buChar char="•"/>
+              <a:defRPr/>
+            </a:pPr>
+            <a:r>
+              <a:rPr lang="en-US" sz="1400" dirty="0">
+                <a:solidFill>
+                  <a:prstClr val="black"/>
+                </a:solidFill>
+                <a:latin typeface="Times New Roman" panose="02020603050405020304" pitchFamily="18" charset="0"/>
+                <a:cs typeface="Times New Roman" panose="02020603050405020304" pitchFamily="18" charset="0"/>
+              </a:rPr>
+              <a:t>The platform provides a comprehensive documentation hub and integrated online compilers to develop digital literacy skills.</a:t>
+            </a:r>
+            <a:endParaRPr kumimoji="0" lang="en-US" sz="1400" b="0" i="0" u="none" strike="noStrike" kern="1200" cap="none" spc="0" normalizeH="0" baseline="0" noProof="0" dirty="0">
               <a:ln>
                 <a:noFill/>
               </a:ln>
@@ -7934,7 +8109,7 @@
         <p:spPr bwMode="auto">
           <a:xfrm>
             <a:off x="774700" y="1948421"/>
-            <a:ext cx="9385300" cy="3293209"/>
+            <a:ext cx="9385300" cy="2431435"/>
           </a:xfrm>
           <a:prstGeom prst="rect">
             <a:avLst/>
@@ -7969,7 +8144,7 @@
               <a:defRPr/>
             </a:pPr>
             <a:r>
-              <a:rPr lang="en-US" sz="2000" b="1" noProof="0" dirty="0">
+              <a:rPr lang="en-US" sz="1600" b="1" noProof="0" dirty="0">
                 <a:solidFill>
                   <a:prstClr val="black"/>
                 </a:solidFill>
@@ -7979,7 +8154,7 @@
               <a:t>Details / Links of the reference and research work</a:t>
             </a:r>
             <a:r>
-              <a:rPr lang="en-US" sz="2000" b="1" dirty="0">
+              <a:rPr lang="en-US" sz="1600" b="1" dirty="0">
                 <a:solidFill>
                   <a:prstClr val="black"/>
                 </a:solidFill>
@@ -7996,7 +8171,7 @@
               <a:defRPr/>
             </a:pPr>
             <a:r>
-              <a:rPr lang="en-US" sz="2000" dirty="0">
+              <a:rPr lang="en-US" sz="1600" dirty="0">
                 <a:solidFill>
                   <a:prstClr val="black"/>
                 </a:solidFill>
@@ -8013,7 +8188,7 @@
               <a:defRPr/>
             </a:pPr>
             <a:r>
-              <a:rPr lang="en-US" sz="2000" dirty="0">
+              <a:rPr lang="en-US" sz="1600" dirty="0">
                 <a:solidFill>
                   <a:prstClr val="black"/>
                 </a:solidFill>
@@ -8030,7 +8205,7 @@
               <a:defRPr/>
             </a:pPr>
             <a:r>
-              <a:rPr lang="en-US" sz="2000" dirty="0">
+              <a:rPr lang="en-US" sz="1600" dirty="0">
                 <a:solidFill>
                   <a:prstClr val="black"/>
                 </a:solidFill>
@@ -8047,16 +8222,16 @@
               <a:defRPr/>
             </a:pPr>
             <a:r>
-              <a:rPr lang="en-US" sz="2000" b="1" dirty="0"/>
+              <a:rPr lang="en-US" sz="1600" b="1" dirty="0"/>
               <a:t>Hindustan Times: </a:t>
             </a:r>
             <a:r>
-              <a:rPr lang="en-US" sz="2000" b="1" dirty="0">
+              <a:rPr lang="en-US" sz="1600" b="1" dirty="0">
                 <a:hlinkClick r:id="rId3"/>
               </a:rPr>
               <a:t>School enrolments in Punjab’s govt schools drop by 1.5 lakh </a:t>
             </a:r>
-            <a:endParaRPr lang="en-US" sz="2000" b="1" dirty="0"/>
+            <a:endParaRPr lang="en-US" sz="1600" b="1" dirty="0"/>
           </a:p>
           <a:p>
             <a:pPr marL="914400" lvl="1" indent="-457200" algn="just">
@@ -8065,16 +8240,16 @@
               <a:defRPr/>
             </a:pPr>
             <a:r>
-              <a:rPr lang="en-US" sz="2000" b="1" dirty="0"/>
+              <a:rPr lang="en-US" sz="1600" b="1" dirty="0"/>
               <a:t>Data.gov.in: </a:t>
             </a:r>
             <a:r>
-              <a:rPr lang="en-US" sz="2000" b="1" dirty="0">
+              <a:rPr lang="en-US" sz="1600" b="1" dirty="0">
                 <a:hlinkClick r:id="rId4"/>
               </a:rPr>
               <a:t>District-wise Dropout Ratio in Schools of Punjab</a:t>
             </a:r>
-            <a:endParaRPr lang="en-US" sz="2000" b="1" dirty="0"/>
+            <a:endParaRPr lang="en-US" sz="1600" b="1" dirty="0"/>
           </a:p>
           <a:p>
             <a:pPr marL="914400" lvl="1" indent="-457200" algn="just">
@@ -8083,7 +8258,7 @@
               <a:defRPr/>
             </a:pPr>
             <a:r>
-              <a:rPr lang="en-US" sz="2000" b="1" dirty="0">
+              <a:rPr lang="en-US" sz="1600" b="1" dirty="0">
                 <a:solidFill>
                   <a:prstClr val="black"/>
                 </a:solidFill>
@@ -8093,30 +8268,30 @@
               <a:t>Website Link: </a:t>
             </a:r>
             <a:r>
-              <a:rPr lang="en-US" sz="2400" dirty="0" err="1">
+              <a:rPr lang="en-US" sz="1600" dirty="0" err="1">
                 <a:hlinkClick r:id="rId5"/>
               </a:rPr>
               <a:t>शिक्षा</a:t>
             </a:r>
             <a:r>
-              <a:rPr lang="en-US" sz="2400" dirty="0">
+              <a:rPr lang="en-US" sz="1600" dirty="0">
                 <a:hlinkClick r:id="rId5"/>
               </a:rPr>
               <a:t> </a:t>
             </a:r>
             <a:r>
-              <a:rPr lang="en-US" sz="2400" dirty="0" err="1">
+              <a:rPr lang="en-US" sz="1600" dirty="0" err="1">
                 <a:hlinkClick r:id="rId5"/>
               </a:rPr>
               <a:t>सेतु</a:t>
             </a:r>
             <a:r>
-              <a:rPr lang="en-US" sz="2400" dirty="0">
+              <a:rPr lang="en-US" sz="1600" dirty="0">
                 <a:hlinkClick r:id="rId5"/>
               </a:rPr>
               <a:t> - Digital Learning Platform for Rural India</a:t>
             </a:r>
-            <a:endParaRPr lang="en-US" sz="2400" dirty="0">
+            <a:endParaRPr lang="en-US" sz="1600" dirty="0">
               <a:solidFill>
                 <a:prstClr val="black"/>
               </a:solidFill>
